--- a/presentation.pptx
+++ b/presentation.pptx
@@ -214,7 +214,7 @@
           <a:p>
             <a:fld id="{01FD5B66-31F4-4D04-8CA4-2596F7756A7F}" type="datetimeFigureOut">
               <a:rPr lang="tr-TR" smtClean="0"/>
-              <a:t>13.11.2022</a:t>
+              <a:t>7.12.2022</a:t>
             </a:fld>
             <a:endParaRPr lang="tr-TR"/>
           </a:p>
@@ -715,7 +715,7 @@
           <a:p>
             <a:fld id="{A31AE90D-C890-4841-9626-36BF9209EBE1}" type="datetimeFigureOut">
               <a:rPr lang="tr-TR" smtClean="0"/>
-              <a:t>13.11.2022</a:t>
+              <a:t>7.12.2022</a:t>
             </a:fld>
             <a:endParaRPr lang="tr-TR"/>
           </a:p>
@@ -915,7 +915,7 @@
           <a:p>
             <a:fld id="{A31AE90D-C890-4841-9626-36BF9209EBE1}" type="datetimeFigureOut">
               <a:rPr lang="tr-TR" smtClean="0"/>
-              <a:t>13.11.2022</a:t>
+              <a:t>7.12.2022</a:t>
             </a:fld>
             <a:endParaRPr lang="tr-TR"/>
           </a:p>
@@ -1125,7 +1125,7 @@
           <a:p>
             <a:fld id="{A31AE90D-C890-4841-9626-36BF9209EBE1}" type="datetimeFigureOut">
               <a:rPr lang="tr-TR" smtClean="0"/>
-              <a:t>13.11.2022</a:t>
+              <a:t>7.12.2022</a:t>
             </a:fld>
             <a:endParaRPr lang="tr-TR"/>
           </a:p>
@@ -1325,7 +1325,7 @@
           <a:p>
             <a:fld id="{A31AE90D-C890-4841-9626-36BF9209EBE1}" type="datetimeFigureOut">
               <a:rPr lang="tr-TR" smtClean="0"/>
-              <a:t>13.11.2022</a:t>
+              <a:t>7.12.2022</a:t>
             </a:fld>
             <a:endParaRPr lang="tr-TR"/>
           </a:p>
@@ -1601,7 +1601,7 @@
           <a:p>
             <a:fld id="{A31AE90D-C890-4841-9626-36BF9209EBE1}" type="datetimeFigureOut">
               <a:rPr lang="tr-TR" smtClean="0"/>
-              <a:t>13.11.2022</a:t>
+              <a:t>7.12.2022</a:t>
             </a:fld>
             <a:endParaRPr lang="tr-TR"/>
           </a:p>
@@ -1869,7 +1869,7 @@
           <a:p>
             <a:fld id="{A31AE90D-C890-4841-9626-36BF9209EBE1}" type="datetimeFigureOut">
               <a:rPr lang="tr-TR" smtClean="0"/>
-              <a:t>13.11.2022</a:t>
+              <a:t>7.12.2022</a:t>
             </a:fld>
             <a:endParaRPr lang="tr-TR"/>
           </a:p>
@@ -2284,7 +2284,7 @@
           <a:p>
             <a:fld id="{A31AE90D-C890-4841-9626-36BF9209EBE1}" type="datetimeFigureOut">
               <a:rPr lang="tr-TR" smtClean="0"/>
-              <a:t>13.11.2022</a:t>
+              <a:t>7.12.2022</a:t>
             </a:fld>
             <a:endParaRPr lang="tr-TR"/>
           </a:p>
@@ -2426,7 +2426,7 @@
           <a:p>
             <a:fld id="{A31AE90D-C890-4841-9626-36BF9209EBE1}" type="datetimeFigureOut">
               <a:rPr lang="tr-TR" smtClean="0"/>
-              <a:t>13.11.2022</a:t>
+              <a:t>7.12.2022</a:t>
             </a:fld>
             <a:endParaRPr lang="tr-TR"/>
           </a:p>
@@ -2539,7 +2539,7 @@
           <a:p>
             <a:fld id="{A31AE90D-C890-4841-9626-36BF9209EBE1}" type="datetimeFigureOut">
               <a:rPr lang="tr-TR" smtClean="0"/>
-              <a:t>13.11.2022</a:t>
+              <a:t>7.12.2022</a:t>
             </a:fld>
             <a:endParaRPr lang="tr-TR"/>
           </a:p>
@@ -2852,7 +2852,7 @@
           <a:p>
             <a:fld id="{A31AE90D-C890-4841-9626-36BF9209EBE1}" type="datetimeFigureOut">
               <a:rPr lang="tr-TR" smtClean="0"/>
-              <a:t>13.11.2022</a:t>
+              <a:t>7.12.2022</a:t>
             </a:fld>
             <a:endParaRPr lang="tr-TR"/>
           </a:p>
@@ -3141,7 +3141,7 @@
           <a:p>
             <a:fld id="{A31AE90D-C890-4841-9626-36BF9209EBE1}" type="datetimeFigureOut">
               <a:rPr lang="tr-TR" smtClean="0"/>
-              <a:t>13.11.2022</a:t>
+              <a:t>7.12.2022</a:t>
             </a:fld>
             <a:endParaRPr lang="tr-TR"/>
           </a:p>
@@ -3384,7 +3384,7 @@
           <a:p>
             <a:fld id="{A31AE90D-C890-4841-9626-36BF9209EBE1}" type="datetimeFigureOut">
               <a:rPr lang="tr-TR" smtClean="0"/>
-              <a:t>13.11.2022</a:t>
+              <a:t>7.12.2022</a:t>
             </a:fld>
             <a:endParaRPr lang="tr-TR"/>
           </a:p>
@@ -3942,7 +3942,7 @@
             </a:pPr>
             <a:r>
               <a:rPr lang="tr-TR" dirty="0"/>
-              <a:t>Template’ler, programlama dillerinden aşina olduğumuz </a:t>
+              <a:t>Template’ler, HTML’e ek olarak, programlama dillerinden aşina olduğumuz </a:t>
             </a:r>
             <a:r>
               <a:rPr lang="tr-TR" i="1" u="sng" dirty="0"/>
@@ -4790,13 +4790,8 @@
           <a:p>
             <a:r>
               <a:rPr lang="tr-TR" dirty="0"/>
-              <a:t>Bir </a:t>
-            </a:r>
-            <a:r>
-              <a:rPr lang="tr-TR"/>
-              <a:t>web çatısıdır (framework).</a:t>
-            </a:r>
-            <a:endParaRPr lang="tr-TR" dirty="0"/>
+              <a:t>Açık kaynak bir web çatısıdır (framework).</a:t>
+            </a:r>
           </a:p>
           <a:p>
             <a:r>
@@ -4811,7 +4806,16 @@
             </a:r>
           </a:p>
           <a:p>
-            <a:endParaRPr lang="tr-TR" dirty="0"/>
+            <a:r>
+              <a:rPr lang="tr-TR" dirty="0"/>
+              <a:t>Bir sitenin sunucu tarafının baştan sona yazılması için uygundur.</a:t>
+            </a:r>
+          </a:p>
+          <a:p>
+            <a:r>
+              <a:rPr lang="tr-TR" dirty="0"/>
+              <a:t>YouTube, Spotify ve Instagram, bazı kısımlarında Django’yu kullanmaktadır.</a:t>
+            </a:r>
           </a:p>
         </p:txBody>
       </p:sp>
